--- a/Slides/Lecture 8-3.pptx
+++ b/Slides/Lecture 8-3.pptx
@@ -6,7 +6,7 @@
     <p:sldMasterId id="2147483684" r:id="rId2"/>
   </p:sldMasterIdLst>
   <p:notesMasterIdLst>
-    <p:notesMasterId r:id="rId18"/>
+    <p:notesMasterId r:id="rId14"/>
   </p:notesMasterIdLst>
   <p:sldIdLst>
     <p:sldId id="842" r:id="rId3"/>
@@ -19,11 +19,7 @@
     <p:sldId id="905" r:id="rId10"/>
     <p:sldId id="906" r:id="rId11"/>
     <p:sldId id="907" r:id="rId12"/>
-    <p:sldId id="908" r:id="rId13"/>
-    <p:sldId id="909" r:id="rId14"/>
-    <p:sldId id="910" r:id="rId15"/>
-    <p:sldId id="891" r:id="rId16"/>
-    <p:sldId id="889" r:id="rId17"/>
+    <p:sldId id="889" r:id="rId13"/>
   </p:sldIdLst>
   <p:sldSz cx="9144000" cy="5143500" type="screen16x9"/>
   <p:notesSz cx="6858000" cy="9144000"/>
@@ -224,7 +220,7 @@
             <a:fld id="{A6781D3C-003D-4837-A496-9A32CDA8003A}" type="datetimeFigureOut">
               <a:rPr lang="en-US" smtClean="0"/>
               <a:pPr/>
-              <a:t>2/7/2019</a:t>
+              <a:t>2/11/2019</a:t>
             </a:fld>
             <a:endParaRPr lang="en-US"/>
           </a:p>
@@ -4814,1656 +4810,6 @@
             <a:spLocks noGrp="1"/>
           </p:cNvSpPr>
           <p:nvPr>
-            <p:ph type="title"/>
-          </p:nvPr>
-        </p:nvSpPr>
-        <p:spPr/>
-        <p:txBody>
-          <a:bodyPr lIns="91438" tIns="45719" rIns="91438" bIns="45719"/>
-          <a:lstStyle/>
-          <a:p>
-            <a:r>
-              <a:rPr lang="en-US" dirty="0" smtClean="0"/>
-              <a:t>Gradient Ascent Example</a:t>
-            </a:r>
-            <a:endParaRPr lang="en-US" dirty="0"/>
-          </a:p>
-        </p:txBody>
-      </p:sp>
-      <p:sp>
-        <p:nvSpPr>
-          <p:cNvPr id="3" name="Content Placeholder 2"/>
-          <p:cNvSpPr>
-            <a:spLocks noGrp="1"/>
-          </p:cNvSpPr>
-          <p:nvPr>
-            <p:ph idx="1"/>
-          </p:nvPr>
-        </p:nvSpPr>
-        <p:spPr>
-          <a:xfrm>
-            <a:off x="457200" y="1280162"/>
-            <a:ext cx="8229600" cy="3598606"/>
-          </a:xfrm>
-        </p:spPr>
-        <p:txBody>
-          <a:bodyPr>
-            <a:normAutofit fontScale="92500" lnSpcReduction="10000"/>
-          </a:bodyPr>
-          <a:lstStyle/>
-          <a:p>
-            <a:r>
-              <a:rPr lang="en-US" dirty="0" smtClean="0"/>
-              <a:t>Starting value</a:t>
-            </a:r>
-          </a:p>
-          <a:p>
-            <a:pPr marL="457189" lvl="1" indent="0">
-              <a:buNone/>
-            </a:pPr>
-            <a:r>
-              <a:rPr lang="en-US" i="1" dirty="0"/>
-              <a:t>w</a:t>
-            </a:r>
-            <a:r>
-              <a:rPr lang="en-US" dirty="0"/>
-              <a:t> = (1,-1,-2,3</a:t>
-            </a:r>
-            <a:r>
-              <a:rPr lang="en-US" dirty="0" smtClean="0"/>
-              <a:t>)</a:t>
-            </a:r>
-          </a:p>
-          <a:p>
-            <a:pPr marL="457189" lvl="1" indent="0">
-              <a:buNone/>
-            </a:pPr>
-            <a:r>
-              <a:rPr lang="en-US" dirty="0" smtClean="0"/>
-              <a:t>accuracy 66%</a:t>
-            </a:r>
-          </a:p>
-          <a:p>
-            <a:r>
-              <a:rPr lang="en-US" dirty="0" smtClean="0"/>
-              <a:t>Next value</a:t>
-            </a:r>
-          </a:p>
-          <a:p>
-            <a:pPr marL="457189" lvl="1" indent="0">
-              <a:buNone/>
-            </a:pPr>
-            <a:r>
-              <a:rPr lang="en-US" i="1" dirty="0"/>
-              <a:t>w</a:t>
-            </a:r>
-            <a:r>
-              <a:rPr lang="en-US" dirty="0"/>
-              <a:t> = </a:t>
-            </a:r>
-            <a:r>
-              <a:rPr lang="en-US" dirty="0" smtClean="0"/>
-              <a:t>(2,-2,-1,2)</a:t>
-            </a:r>
-            <a:endParaRPr lang="en-US" dirty="0"/>
-          </a:p>
-          <a:p>
-            <a:pPr marL="457189" lvl="1" indent="0">
-              <a:buNone/>
-            </a:pPr>
-            <a:r>
-              <a:rPr lang="en-US" dirty="0" smtClean="0"/>
-              <a:t>accuracy 73%</a:t>
-            </a:r>
-          </a:p>
-          <a:p>
-            <a:r>
-              <a:rPr lang="en-US" dirty="0" smtClean="0"/>
-              <a:t>Next value</a:t>
-            </a:r>
-          </a:p>
-          <a:p>
-            <a:pPr marL="457189" lvl="1" indent="0">
-              <a:buNone/>
-            </a:pPr>
-            <a:r>
-              <a:rPr lang="en-US" i="1" dirty="0"/>
-              <a:t>w</a:t>
-            </a:r>
-            <a:r>
-              <a:rPr lang="en-US" dirty="0"/>
-              <a:t> = </a:t>
-            </a:r>
-            <a:r>
-              <a:rPr lang="en-US" dirty="0" smtClean="0"/>
-              <a:t>(3,-2,-1,4)</a:t>
-            </a:r>
-            <a:endParaRPr lang="en-US" dirty="0"/>
-          </a:p>
-          <a:p>
-            <a:pPr marL="457189" lvl="1" indent="0">
-              <a:buNone/>
-            </a:pPr>
-            <a:r>
-              <a:rPr lang="en-US" dirty="0" smtClean="0"/>
-              <a:t>accuracy 80%</a:t>
-            </a:r>
-          </a:p>
-          <a:p>
-            <a:r>
-              <a:rPr lang="en-US" dirty="0" smtClean="0"/>
-              <a:t>etc.</a:t>
-            </a:r>
-          </a:p>
-        </p:txBody>
-      </p:sp>
-    </p:spTree>
-    <p:extLst>
-      <p:ext uri="{BB962C8B-B14F-4D97-AF65-F5344CB8AC3E}">
-        <p14:creationId xmlns:p14="http://schemas.microsoft.com/office/powerpoint/2010/main" val="2353447555"/>
-      </p:ext>
-    </p:extLst>
-  </p:cSld>
-  <p:clrMapOvr>
-    <a:masterClrMapping/>
-  </p:clrMapOvr>
-  <p:timing>
-    <p:tnLst>
-      <p:par>
-        <p:cTn id="1" dur="indefinite" restart="never" nodeType="tmRoot"/>
-      </p:par>
-    </p:tnLst>
-  </p:timing>
-</p:sld>
-</file>
-
-<file path=ppt/slides/slide12.xml><?xml version="1.0" encoding="utf-8"?>
-<p:sld xmlns:a="http://schemas.openxmlformats.org/drawingml/2006/main" xmlns:r="http://schemas.openxmlformats.org/officeDocument/2006/relationships" xmlns:p="http://schemas.openxmlformats.org/presentationml/2006/main">
-  <p:cSld>
-    <p:spTree>
-      <p:nvGrpSpPr>
-        <p:cNvPr id="1" name=""/>
-        <p:cNvGrpSpPr/>
-        <p:nvPr/>
-      </p:nvGrpSpPr>
-      <p:grpSpPr>
-        <a:xfrm>
-          <a:off x="0" y="0"/>
-          <a:ext cx="0" cy="0"/>
-          <a:chOff x="0" y="0"/>
-          <a:chExt cx="0" cy="0"/>
-        </a:xfrm>
-      </p:grpSpPr>
-      <p:sp>
-        <p:nvSpPr>
-          <p:cNvPr id="2" name="Title 1"/>
-          <p:cNvSpPr>
-            <a:spLocks noGrp="1"/>
-          </p:cNvSpPr>
-          <p:nvPr>
-            <p:ph type="title"/>
-          </p:nvPr>
-        </p:nvSpPr>
-        <p:spPr/>
-        <p:txBody>
-          <a:bodyPr lIns="91438" tIns="45719" rIns="91438" bIns="45719"/>
-          <a:lstStyle/>
-          <a:p>
-            <a:r>
-              <a:rPr lang="en-US" dirty="0" smtClean="0"/>
-              <a:t>Regularization</a:t>
-            </a:r>
-            <a:endParaRPr lang="en-US" dirty="0"/>
-          </a:p>
-        </p:txBody>
-      </p:sp>
-      <p:sp>
-        <p:nvSpPr>
-          <p:cNvPr id="3" name="Content Placeholder 2"/>
-          <p:cNvSpPr>
-            <a:spLocks noGrp="1"/>
-          </p:cNvSpPr>
-          <p:nvPr>
-            <p:ph idx="1"/>
-          </p:nvPr>
-        </p:nvSpPr>
-        <p:spPr>
-          <a:xfrm>
-            <a:off x="254002" y="1280162"/>
-            <a:ext cx="8701220" cy="3598606"/>
-          </a:xfrm>
-        </p:spPr>
-        <p:txBody>
-          <a:bodyPr>
-            <a:normAutofit/>
-          </a:bodyPr>
-          <a:lstStyle/>
-          <a:p>
-            <a:r>
-              <a:rPr lang="en-US" dirty="0" smtClean="0"/>
-              <a:t>Penalize large weights (we don’t want weights of 500,000)</a:t>
-            </a:r>
-          </a:p>
-          <a:p>
-            <a:r>
-              <a:rPr lang="en-US" dirty="0"/>
-              <a:t>L</a:t>
-            </a:r>
-            <a:r>
-              <a:rPr lang="en-US" baseline="-25000" dirty="0" smtClean="0"/>
-              <a:t>2</a:t>
-            </a:r>
-            <a:r>
-              <a:rPr lang="en-US" dirty="0" smtClean="0"/>
-              <a:t> </a:t>
-            </a:r>
-            <a:r>
-              <a:rPr lang="en-US" dirty="0" err="1" smtClean="0"/>
-              <a:t>regularizer</a:t>
-            </a:r>
-            <a:endParaRPr lang="en-US" dirty="0" smtClean="0"/>
-          </a:p>
-          <a:p>
-            <a:endParaRPr lang="en-US" dirty="0"/>
-          </a:p>
-          <a:p>
-            <a:endParaRPr lang="en-US" dirty="0" smtClean="0"/>
-          </a:p>
-          <a:p>
-            <a:r>
-              <a:rPr lang="en-US" dirty="0" smtClean="0"/>
-              <a:t>L</a:t>
-            </a:r>
-            <a:r>
-              <a:rPr lang="en-US" baseline="-25000" dirty="0" smtClean="0"/>
-              <a:t>1</a:t>
-            </a:r>
-            <a:r>
-              <a:rPr lang="en-US" dirty="0" smtClean="0"/>
-              <a:t> </a:t>
-            </a:r>
-            <a:r>
-              <a:rPr lang="en-US" dirty="0" err="1" smtClean="0"/>
-              <a:t>regularizer</a:t>
-            </a:r>
-            <a:endParaRPr lang="en-US" dirty="0" smtClean="0"/>
-          </a:p>
-          <a:p>
-            <a:pPr lvl="1"/>
-            <a:endParaRPr lang="en-US" dirty="0"/>
-          </a:p>
-          <a:p>
-            <a:pPr lvl="1"/>
-            <a:endParaRPr lang="en-US" dirty="0" smtClean="0"/>
-          </a:p>
-          <a:p>
-            <a:pPr lvl="1"/>
-            <a:endParaRPr lang="en-US" dirty="0"/>
-          </a:p>
-          <a:p>
-            <a:pPr lvl="1"/>
-            <a:endParaRPr lang="en-US" dirty="0" smtClean="0"/>
-          </a:p>
-        </p:txBody>
-      </p:sp>
-      <mc:AlternateContent xmlns:mc="http://schemas.openxmlformats.org/markup-compatibility/2006" xmlns:a14="http://schemas.microsoft.com/office/drawing/2010/main">
-        <mc:Choice Requires="a14">
-          <p:sp>
-            <p:nvSpPr>
-              <p:cNvPr id="7" name="TextBox 6"/>
-              <p:cNvSpPr txBox="1"/>
-              <p:nvPr/>
-            </p:nvSpPr>
-            <p:spPr>
-              <a:xfrm>
-                <a:off x="871654" y="2239666"/>
-                <a:ext cx="6765062" cy="993539"/>
-              </a:xfrm>
-              <a:prstGeom prst="rect">
-                <a:avLst/>
-              </a:prstGeom>
-              <a:noFill/>
-            </p:spPr>
-            <p:txBody>
-              <a:bodyPr wrap="square" lIns="91438" tIns="45719" rIns="91438" bIns="45719" rtlCol="0">
-                <a:spAutoFit/>
-              </a:bodyPr>
-              <a:lstStyle/>
-              <a:p>
-                <a:pPr/>
-                <a14:m>
-                  <m:oMathPara xmlns:m="http://schemas.openxmlformats.org/officeDocument/2006/math">
-                    <m:oMathParaPr>
-                      <m:jc m:val="centerGroup"/>
-                    </m:oMathParaPr>
-                    <m:oMath xmlns:m="http://schemas.openxmlformats.org/officeDocument/2006/math">
-                      <m:sSub>
-                        <m:sSubPr>
-                          <m:ctrlPr>
-                            <a:rPr lang="en-US" sz="2100" i="1">
-                              <a:latin typeface="Cambria Math" panose="02040503050406030204" pitchFamily="18" charset="0"/>
-                            </a:rPr>
-                          </m:ctrlPr>
-                        </m:sSubPr>
-                        <m:e>
-                          <m:r>
-                            <a:rPr lang="en-US" sz="2100" i="1">
-                              <a:latin typeface="Cambria Math"/>
-                            </a:rPr>
-                            <m:t>𝑤</m:t>
-                          </m:r>
-                        </m:e>
-                        <m:sub>
-                          <m:r>
-                            <a:rPr lang="en-US" sz="2100" i="1">
-                              <a:latin typeface="Cambria Math"/>
-                            </a:rPr>
-                            <m:t>𝐿</m:t>
-                          </m:r>
-                          <m:r>
-                            <a:rPr lang="en-US" sz="2100" i="1">
-                              <a:latin typeface="Cambria Math"/>
-                            </a:rPr>
-                            <m:t>2−</m:t>
-                          </m:r>
-                          <m:r>
-                            <a:rPr lang="en-US" sz="2100" i="1">
-                              <a:latin typeface="Cambria Math"/>
-                            </a:rPr>
-                            <m:t>𝑅𝐸𝐺</m:t>
-                          </m:r>
-                        </m:sub>
-                      </m:sSub>
-                      <m:r>
-                        <a:rPr lang="en-US" sz="2100" i="1">
-                          <a:latin typeface="Cambria Math"/>
-                        </a:rPr>
-                        <m:t>=</m:t>
-                      </m:r>
-                      <m:sSub>
-                        <m:sSubPr>
-                          <m:ctrlPr>
-                            <a:rPr lang="en-US" sz="2100" i="1">
-                              <a:latin typeface="Cambria Math" panose="02040503050406030204" pitchFamily="18" charset="0"/>
-                            </a:rPr>
-                          </m:ctrlPr>
-                        </m:sSubPr>
-                        <m:e>
-                          <m:r>
-                            <m:rPr>
-                              <m:nor/>
-                            </m:rPr>
-                            <a:rPr lang="en-US" sz="2100">
-                              <a:latin typeface="Cambria Math"/>
-                            </a:rPr>
-                            <m:t>argmax</m:t>
-                          </m:r>
-                        </m:e>
-                        <m:sub>
-                          <m:r>
-                            <a:rPr lang="en-US" sz="2100" i="1">
-                              <a:latin typeface="Cambria Math"/>
-                            </a:rPr>
-                            <m:t>𝑤</m:t>
-                          </m:r>
-                        </m:sub>
-                      </m:sSub>
-                      <m:sSub>
-                        <m:sSubPr>
-                          <m:ctrlPr>
-                            <a:rPr lang="en-US" sz="2100" i="1">
-                              <a:latin typeface="Cambria Math" panose="02040503050406030204" pitchFamily="18" charset="0"/>
-                            </a:rPr>
-                          </m:ctrlPr>
-                        </m:sSubPr>
-                        <m:e>
-                          <m:d>
-                            <m:dPr>
-                              <m:begChr m:val="["/>
-                              <m:endChr m:val="]"/>
-                              <m:ctrlPr>
-                                <a:rPr lang="en-US" sz="2100" i="1">
-                                  <a:latin typeface="Cambria Math" panose="02040503050406030204" pitchFamily="18" charset="0"/>
-                                </a:rPr>
-                              </m:ctrlPr>
-                            </m:dPr>
-                            <m:e>
-                              <m:r>
-                                <a:rPr lang="en-US" sz="2100" i="1">
-                                  <a:latin typeface="Cambria Math"/>
-                                </a:rPr>
-                                <m:t>𝑙𝑜𝑔𝑃</m:t>
-                              </m:r>
-                              <m:r>
-                                <a:rPr lang="en-US" sz="2100" i="1">
-                                  <a:latin typeface="Cambria Math"/>
-                                </a:rPr>
-                                <m:t>(</m:t>
-                              </m:r>
-                              <m:sSub>
-                                <m:sSubPr>
-                                  <m:ctrlPr>
-                                    <a:rPr lang="en-US" sz="2100" i="1">
-                                      <a:latin typeface="Cambria Math" panose="02040503050406030204" pitchFamily="18" charset="0"/>
-                                    </a:rPr>
-                                  </m:ctrlPr>
-                                </m:sSubPr>
-                                <m:e>
-                                  <m:r>
-                                    <a:rPr lang="en-US" sz="2100" i="1">
-                                      <a:latin typeface="Cambria Math"/>
-                                    </a:rPr>
-                                    <m:t>𝑦</m:t>
-                                  </m:r>
-                                </m:e>
-                                <m:sub>
-                                  <m:r>
-                                    <a:rPr lang="en-US" sz="2100" i="1">
-                                      <a:latin typeface="Cambria Math"/>
-                                    </a:rPr>
-                                    <m:t>𝑖</m:t>
-                                  </m:r>
-                                </m:sub>
-                              </m:sSub>
-                              <m:r>
-                                <a:rPr lang="en-US" sz="2100" i="1">
-                                  <a:latin typeface="Cambria Math"/>
-                                </a:rPr>
-                                <m:t>|</m:t>
-                              </m:r>
-                              <m:sSub>
-                                <m:sSubPr>
-                                  <m:ctrlPr>
-                                    <a:rPr lang="en-US" sz="2100" i="1">
-                                      <a:latin typeface="Cambria Math" panose="02040503050406030204" pitchFamily="18" charset="0"/>
-                                    </a:rPr>
-                                  </m:ctrlPr>
-                                </m:sSubPr>
-                                <m:e>
-                                  <m:r>
-                                    <a:rPr lang="en-US" sz="2100" i="1">
-                                      <a:latin typeface="Cambria Math"/>
-                                    </a:rPr>
-                                    <m:t>𝑥</m:t>
-                                  </m:r>
-                                </m:e>
-                                <m:sub>
-                                  <m:r>
-                                    <a:rPr lang="en-US" sz="2100" i="1">
-                                      <a:latin typeface="Cambria Math"/>
-                                    </a:rPr>
-                                    <m:t>𝑖</m:t>
-                                  </m:r>
-                                </m:sub>
-                              </m:sSub>
-                              <m:r>
-                                <a:rPr lang="en-US" sz="2100" i="1">
-                                  <a:latin typeface="Cambria Math"/>
-                                </a:rPr>
-                                <m:t>;</m:t>
-                              </m:r>
-                              <m:r>
-                                <a:rPr lang="en-US" sz="2100" i="1">
-                                  <a:latin typeface="Cambria Math"/>
-                                </a:rPr>
-                                <m:t>𝑤</m:t>
-                              </m:r>
-                              <m:r>
-                                <a:rPr lang="en-US" sz="2100" i="1">
-                                  <a:latin typeface="Cambria Math"/>
-                                </a:rPr>
-                                <m:t>)−</m:t>
-                              </m:r>
-                              <m:r>
-                                <a:rPr lang="en-US" sz="2100" i="1">
-                                  <a:latin typeface="Cambria Math"/>
-                                  <a:ea typeface="Cambria Math"/>
-                                </a:rPr>
-                                <m:t>𝜆</m:t>
-                              </m:r>
-                              <m:nary>
-                                <m:naryPr>
-                                  <m:chr m:val="∑"/>
-                                  <m:subHide m:val="on"/>
-                                  <m:supHide m:val="on"/>
-                                  <m:ctrlPr>
-                                    <a:rPr lang="en-US" sz="2100" i="1">
-                                      <a:latin typeface="Cambria Math" panose="02040503050406030204" pitchFamily="18" charset="0"/>
-                                    </a:rPr>
-                                  </m:ctrlPr>
-                                </m:naryPr>
-                                <m:sub/>
-                                <m:sup/>
-                                <m:e>
-                                  <m:sSup>
-                                    <m:sSupPr>
-                                      <m:ctrlPr>
-                                        <a:rPr lang="en-US" sz="2100" i="1">
-                                          <a:latin typeface="Cambria Math" panose="02040503050406030204" pitchFamily="18" charset="0"/>
-                                        </a:rPr>
-                                      </m:ctrlPr>
-                                    </m:sSupPr>
-                                    <m:e>
-                                      <m:r>
-                                        <a:rPr lang="en-US" sz="2100" i="1">
-                                          <a:latin typeface="Cambria Math"/>
-                                        </a:rPr>
-                                        <m:t>(</m:t>
-                                      </m:r>
-                                      <m:sSub>
-                                        <m:sSubPr>
-                                          <m:ctrlPr>
-                                            <a:rPr lang="en-US" sz="2100" i="1">
-                                              <a:latin typeface="Cambria Math" panose="02040503050406030204" pitchFamily="18" charset="0"/>
-                                            </a:rPr>
-                                          </m:ctrlPr>
-                                        </m:sSubPr>
-                                        <m:e>
-                                          <m:r>
-                                            <a:rPr lang="en-US" sz="2100" i="1">
-                                              <a:latin typeface="Cambria Math"/>
-                                            </a:rPr>
-                                            <m:t>𝑤</m:t>
-                                          </m:r>
-                                        </m:e>
-                                        <m:sub>
-                                          <m:r>
-                                            <a:rPr lang="en-US" sz="2100" i="1">
-                                              <a:latin typeface="Cambria Math"/>
-                                            </a:rPr>
-                                            <m:t>𝑗</m:t>
-                                          </m:r>
-                                        </m:sub>
-                                      </m:sSub>
-                                      <m:r>
-                                        <a:rPr lang="en-US" sz="2100" i="1">
-                                          <a:latin typeface="Cambria Math"/>
-                                        </a:rPr>
-                                        <m:t>)</m:t>
-                                      </m:r>
-                                    </m:e>
-                                    <m:sup>
-                                      <m:r>
-                                        <a:rPr lang="en-US" sz="2100" i="1">
-                                          <a:latin typeface="Cambria Math"/>
-                                        </a:rPr>
-                                        <m:t>2</m:t>
-                                      </m:r>
-                                    </m:sup>
-                                  </m:sSup>
-                                </m:e>
-                              </m:nary>
-                            </m:e>
-                          </m:d>
-                        </m:e>
-                        <m:sub>
-                          <m:r>
-                            <a:rPr lang="en-US" sz="2100" i="1">
-                              <a:latin typeface="Cambria Math"/>
-                            </a:rPr>
-                            <m:t> </m:t>
-                          </m:r>
-                        </m:sub>
-                      </m:sSub>
-                    </m:oMath>
-                  </m:oMathPara>
-                </a14:m>
-                <a:endParaRPr lang="en-US" sz="2100" dirty="0"/>
-              </a:p>
-            </p:txBody>
-          </p:sp>
-        </mc:Choice>
-        <mc:Fallback xmlns="">
-          <p:sp>
-            <p:nvSpPr>
-              <p:cNvPr id="7" name="TextBox 6"/>
-              <p:cNvSpPr txBox="1">
-                <a:spLocks noRot="1" noChangeAspect="1" noMove="1" noResize="1" noEditPoints="1" noAdjustHandles="1" noChangeArrowheads="1" noChangeShapeType="1" noTextEdit="1"/>
-              </p:cNvSpPr>
-              <p:nvPr/>
-            </p:nvSpPr>
-            <p:spPr>
-              <a:xfrm>
-                <a:off x="1162204" y="2986222"/>
-                <a:ext cx="9020083" cy="1324718"/>
-              </a:xfrm>
-              <a:prstGeom prst="rect">
-                <a:avLst/>
-              </a:prstGeom>
-              <a:blipFill rotWithShape="1">
-                <a:blip r:embed="rId2"/>
-                <a:stretch>
-                  <a:fillRect/>
-                </a:stretch>
-              </a:blipFill>
-            </p:spPr>
-            <p:txBody>
-              <a:bodyPr/>
-              <a:lstStyle/>
-              <a:p>
-                <a:r>
-                  <a:rPr lang="en-US">
-                    <a:noFill/>
-                  </a:rPr>
-                  <a:t> </a:t>
-                </a:r>
-              </a:p>
-            </p:txBody>
-          </p:sp>
-        </mc:Fallback>
-      </mc:AlternateContent>
-      <mc:AlternateContent xmlns:mc="http://schemas.openxmlformats.org/markup-compatibility/2006" xmlns:a14="http://schemas.microsoft.com/office/drawing/2010/main">
-        <mc:Choice Requires="a14">
-          <p:sp>
-            <p:nvSpPr>
-              <p:cNvPr id="8" name="TextBox 7"/>
-              <p:cNvSpPr txBox="1"/>
-              <p:nvPr/>
-            </p:nvSpPr>
-            <p:spPr>
-              <a:xfrm>
-                <a:off x="982758" y="3766616"/>
-                <a:ext cx="6765062" cy="993539"/>
-              </a:xfrm>
-              <a:prstGeom prst="rect">
-                <a:avLst/>
-              </a:prstGeom>
-              <a:noFill/>
-            </p:spPr>
-            <p:txBody>
-              <a:bodyPr wrap="square" lIns="91438" tIns="45719" rIns="91438" bIns="45719" rtlCol="0">
-                <a:spAutoFit/>
-              </a:bodyPr>
-              <a:lstStyle/>
-              <a:p>
-                <a:pPr/>
-                <a14:m>
-                  <m:oMathPara xmlns:m="http://schemas.openxmlformats.org/officeDocument/2006/math">
-                    <m:oMathParaPr>
-                      <m:jc m:val="centerGroup"/>
-                    </m:oMathParaPr>
-                    <m:oMath xmlns:m="http://schemas.openxmlformats.org/officeDocument/2006/math">
-                      <m:sSub>
-                        <m:sSubPr>
-                          <m:ctrlPr>
-                            <a:rPr lang="en-US" sz="2100" i="1">
-                              <a:latin typeface="Cambria Math" panose="02040503050406030204" pitchFamily="18" charset="0"/>
-                            </a:rPr>
-                          </m:ctrlPr>
-                        </m:sSubPr>
-                        <m:e>
-                          <m:r>
-                            <a:rPr lang="en-US" sz="2100" i="1">
-                              <a:latin typeface="Cambria Math"/>
-                            </a:rPr>
-                            <m:t>𝑤</m:t>
-                          </m:r>
-                        </m:e>
-                        <m:sub>
-                          <m:r>
-                            <a:rPr lang="en-US" sz="2100" i="1">
-                              <a:latin typeface="Cambria Math"/>
-                            </a:rPr>
-                            <m:t>𝐿</m:t>
-                          </m:r>
-                          <m:r>
-                            <a:rPr lang="en-US" sz="2100" i="1">
-                              <a:latin typeface="Cambria Math"/>
-                            </a:rPr>
-                            <m:t>1−</m:t>
-                          </m:r>
-                          <m:r>
-                            <a:rPr lang="en-US" sz="2100" i="1">
-                              <a:latin typeface="Cambria Math"/>
-                            </a:rPr>
-                            <m:t>𝑅𝐸𝐺</m:t>
-                          </m:r>
-                        </m:sub>
-                      </m:sSub>
-                      <m:r>
-                        <a:rPr lang="en-US" sz="2100" i="1">
-                          <a:latin typeface="Cambria Math"/>
-                        </a:rPr>
-                        <m:t>=</m:t>
-                      </m:r>
-                      <m:sSub>
-                        <m:sSubPr>
-                          <m:ctrlPr>
-                            <a:rPr lang="en-US" sz="2100" i="1">
-                              <a:latin typeface="Cambria Math" panose="02040503050406030204" pitchFamily="18" charset="0"/>
-                            </a:rPr>
-                          </m:ctrlPr>
-                        </m:sSubPr>
-                        <m:e>
-                          <m:r>
-                            <m:rPr>
-                              <m:nor/>
-                            </m:rPr>
-                            <a:rPr lang="en-US" sz="2100">
-                              <a:latin typeface="Cambria Math"/>
-                            </a:rPr>
-                            <m:t>argmax</m:t>
-                          </m:r>
-                        </m:e>
-                        <m:sub>
-                          <m:r>
-                            <a:rPr lang="en-US" sz="2100" i="1">
-                              <a:latin typeface="Cambria Math"/>
-                            </a:rPr>
-                            <m:t>𝑤</m:t>
-                          </m:r>
-                        </m:sub>
-                      </m:sSub>
-                      <m:sSub>
-                        <m:sSubPr>
-                          <m:ctrlPr>
-                            <a:rPr lang="en-US" sz="2100" i="1">
-                              <a:latin typeface="Cambria Math" panose="02040503050406030204" pitchFamily="18" charset="0"/>
-                            </a:rPr>
-                          </m:ctrlPr>
-                        </m:sSubPr>
-                        <m:e>
-                          <m:d>
-                            <m:dPr>
-                              <m:begChr m:val="["/>
-                              <m:endChr m:val="]"/>
-                              <m:ctrlPr>
-                                <a:rPr lang="en-US" sz="2100" i="1">
-                                  <a:latin typeface="Cambria Math" panose="02040503050406030204" pitchFamily="18" charset="0"/>
-                                </a:rPr>
-                              </m:ctrlPr>
-                            </m:dPr>
-                            <m:e>
-                              <m:r>
-                                <a:rPr lang="en-US" sz="2100" i="1">
-                                  <a:latin typeface="Cambria Math"/>
-                                </a:rPr>
-                                <m:t>𝑙𝑜𝑔𝑃</m:t>
-                              </m:r>
-                              <m:r>
-                                <a:rPr lang="en-US" sz="2100" i="1">
-                                  <a:latin typeface="Cambria Math"/>
-                                </a:rPr>
-                                <m:t>(</m:t>
-                              </m:r>
-                              <m:sSub>
-                                <m:sSubPr>
-                                  <m:ctrlPr>
-                                    <a:rPr lang="en-US" sz="2100" i="1">
-                                      <a:latin typeface="Cambria Math" panose="02040503050406030204" pitchFamily="18" charset="0"/>
-                                    </a:rPr>
-                                  </m:ctrlPr>
-                                </m:sSubPr>
-                                <m:e>
-                                  <m:r>
-                                    <a:rPr lang="en-US" sz="2100" i="1">
-                                      <a:latin typeface="Cambria Math"/>
-                                    </a:rPr>
-                                    <m:t>𝑦</m:t>
-                                  </m:r>
-                                </m:e>
-                                <m:sub>
-                                  <m:r>
-                                    <a:rPr lang="en-US" sz="2100" i="1">
-                                      <a:latin typeface="Cambria Math"/>
-                                    </a:rPr>
-                                    <m:t>𝑖</m:t>
-                                  </m:r>
-                                </m:sub>
-                              </m:sSub>
-                              <m:r>
-                                <a:rPr lang="en-US" sz="2100" i="1">
-                                  <a:latin typeface="Cambria Math"/>
-                                </a:rPr>
-                                <m:t>|</m:t>
-                              </m:r>
-                              <m:sSub>
-                                <m:sSubPr>
-                                  <m:ctrlPr>
-                                    <a:rPr lang="en-US" sz="2100" i="1">
-                                      <a:latin typeface="Cambria Math" panose="02040503050406030204" pitchFamily="18" charset="0"/>
-                                    </a:rPr>
-                                  </m:ctrlPr>
-                                </m:sSubPr>
-                                <m:e>
-                                  <m:r>
-                                    <a:rPr lang="en-US" sz="2100" i="1">
-                                      <a:latin typeface="Cambria Math"/>
-                                    </a:rPr>
-                                    <m:t>𝑥</m:t>
-                                  </m:r>
-                                </m:e>
-                                <m:sub>
-                                  <m:r>
-                                    <a:rPr lang="en-US" sz="2100" i="1">
-                                      <a:latin typeface="Cambria Math"/>
-                                    </a:rPr>
-                                    <m:t>𝑖</m:t>
-                                  </m:r>
-                                </m:sub>
-                              </m:sSub>
-                              <m:r>
-                                <a:rPr lang="en-US" sz="2100" i="1">
-                                  <a:latin typeface="Cambria Math"/>
-                                </a:rPr>
-                                <m:t>;</m:t>
-                              </m:r>
-                              <m:r>
-                                <a:rPr lang="en-US" sz="2100" i="1">
-                                  <a:latin typeface="Cambria Math"/>
-                                </a:rPr>
-                                <m:t>𝑤</m:t>
-                              </m:r>
-                              <m:r>
-                                <a:rPr lang="en-US" sz="2100" i="1">
-                                  <a:latin typeface="Cambria Math"/>
-                                </a:rPr>
-                                <m:t>)−</m:t>
-                              </m:r>
-                              <m:r>
-                                <a:rPr lang="en-US" sz="2100" i="1">
-                                  <a:latin typeface="Cambria Math"/>
-                                  <a:ea typeface="Cambria Math"/>
-                                </a:rPr>
-                                <m:t>𝜆</m:t>
-                              </m:r>
-                              <m:nary>
-                                <m:naryPr>
-                                  <m:chr m:val="∑"/>
-                                  <m:subHide m:val="on"/>
-                                  <m:supHide m:val="on"/>
-                                  <m:ctrlPr>
-                                    <a:rPr lang="en-US" sz="2100" i="1">
-                                      <a:latin typeface="Cambria Math" panose="02040503050406030204" pitchFamily="18" charset="0"/>
-                                    </a:rPr>
-                                  </m:ctrlPr>
-                                </m:naryPr>
-                                <m:sub/>
-                                <m:sup/>
-                                <m:e>
-                                  <m:r>
-                                    <a:rPr lang="en-US" sz="2100" i="1">
-                                      <a:latin typeface="Cambria Math"/>
-                                    </a:rPr>
-                                    <m:t>|</m:t>
-                                  </m:r>
-                                  <m:sSub>
-                                    <m:sSubPr>
-                                      <m:ctrlPr>
-                                        <a:rPr lang="en-US" sz="2100" i="1">
-                                          <a:latin typeface="Cambria Math" panose="02040503050406030204" pitchFamily="18" charset="0"/>
-                                        </a:rPr>
-                                      </m:ctrlPr>
-                                    </m:sSubPr>
-                                    <m:e>
-                                      <m:r>
-                                        <a:rPr lang="en-US" sz="2100" i="1">
-                                          <a:latin typeface="Cambria Math"/>
-                                        </a:rPr>
-                                        <m:t>𝑤</m:t>
-                                      </m:r>
-                                    </m:e>
-                                    <m:sub>
-                                      <m:r>
-                                        <a:rPr lang="en-US" sz="2100" i="1">
-                                          <a:latin typeface="Cambria Math"/>
-                                        </a:rPr>
-                                        <m:t>𝑗</m:t>
-                                      </m:r>
-                                    </m:sub>
-                                  </m:sSub>
-                                  <m:r>
-                                    <a:rPr lang="en-US" sz="2100" i="1">
-                                      <a:latin typeface="Cambria Math"/>
-                                    </a:rPr>
-                                    <m:t>|</m:t>
-                                  </m:r>
-                                </m:e>
-                              </m:nary>
-                            </m:e>
-                          </m:d>
-                        </m:e>
-                        <m:sub>
-                          <m:r>
-                            <a:rPr lang="en-US" sz="2100" i="1">
-                              <a:latin typeface="Cambria Math"/>
-                            </a:rPr>
-                            <m:t> </m:t>
-                          </m:r>
-                        </m:sub>
-                      </m:sSub>
-                    </m:oMath>
-                  </m:oMathPara>
-                </a14:m>
-                <a:endParaRPr lang="en-US" sz="2100" dirty="0"/>
-              </a:p>
-            </p:txBody>
-          </p:sp>
-        </mc:Choice>
-        <mc:Fallback xmlns="">
-          <p:sp>
-            <p:nvSpPr>
-              <p:cNvPr id="8" name="TextBox 7"/>
-              <p:cNvSpPr txBox="1">
-                <a:spLocks noRot="1" noChangeAspect="1" noMove="1" noResize="1" noEditPoints="1" noAdjustHandles="1" noChangeArrowheads="1" noChangeShapeType="1" noTextEdit="1"/>
-              </p:cNvSpPr>
-              <p:nvPr/>
-            </p:nvSpPr>
-            <p:spPr>
-              <a:xfrm>
-                <a:off x="1310343" y="5022155"/>
-                <a:ext cx="9020083" cy="1324718"/>
-              </a:xfrm>
-              <a:prstGeom prst="rect">
-                <a:avLst/>
-              </a:prstGeom>
-              <a:blipFill rotWithShape="1">
-                <a:blip r:embed="rId3"/>
-                <a:stretch>
-                  <a:fillRect/>
-                </a:stretch>
-              </a:blipFill>
-            </p:spPr>
-            <p:txBody>
-              <a:bodyPr/>
-              <a:lstStyle/>
-              <a:p>
-                <a:r>
-                  <a:rPr lang="en-US">
-                    <a:noFill/>
-                  </a:rPr>
-                  <a:t> </a:t>
-                </a:r>
-              </a:p>
-            </p:txBody>
-          </p:sp>
-        </mc:Fallback>
-      </mc:AlternateContent>
-    </p:spTree>
-    <p:extLst>
-      <p:ext uri="{BB962C8B-B14F-4D97-AF65-F5344CB8AC3E}">
-        <p14:creationId xmlns:p14="http://schemas.microsoft.com/office/powerpoint/2010/main" val="418779707"/>
-      </p:ext>
-    </p:extLst>
-  </p:cSld>
-  <p:clrMapOvr>
-    <a:masterClrMapping/>
-  </p:clrMapOvr>
-  <p:timing>
-    <p:tnLst>
-      <p:par>
-        <p:cTn id="1" dur="indefinite" restart="never" nodeType="tmRoot"/>
-      </p:par>
-    </p:tnLst>
-  </p:timing>
-</p:sld>
-</file>
-
-<file path=ppt/slides/slide13.xml><?xml version="1.0" encoding="utf-8"?>
-<p:sld xmlns:a="http://schemas.openxmlformats.org/drawingml/2006/main" xmlns:r="http://schemas.openxmlformats.org/officeDocument/2006/relationships" xmlns:p="http://schemas.openxmlformats.org/presentationml/2006/main">
-  <p:cSld>
-    <p:spTree>
-      <p:nvGrpSpPr>
-        <p:cNvPr id="1" name=""/>
-        <p:cNvGrpSpPr/>
-        <p:nvPr/>
-      </p:nvGrpSpPr>
-      <p:grpSpPr>
-        <a:xfrm>
-          <a:off x="0" y="0"/>
-          <a:ext cx="0" cy="0"/>
-          <a:chOff x="0" y="0"/>
-          <a:chExt cx="0" cy="0"/>
-        </a:xfrm>
-      </p:grpSpPr>
-      <p:sp>
-        <p:nvSpPr>
-          <p:cNvPr id="2" name="Title 1"/>
-          <p:cNvSpPr>
-            <a:spLocks noGrp="1"/>
-          </p:cNvSpPr>
-          <p:nvPr>
-            <p:ph type="title"/>
-          </p:nvPr>
-        </p:nvSpPr>
-        <p:spPr/>
-        <p:txBody>
-          <a:bodyPr lIns="91438" tIns="45719" rIns="91438" bIns="45719"/>
-          <a:lstStyle/>
-          <a:p>
-            <a:r>
-              <a:rPr lang="en-US" dirty="0" smtClean="0"/>
-              <a:t>Stochastic Gradient </a:t>
-            </a:r>
-            <a:r>
-              <a:rPr lang="bg-BG" dirty="0" smtClean="0"/>
-              <a:t>De</a:t>
-            </a:r>
-            <a:r>
-              <a:rPr lang="en-US" dirty="0" smtClean="0"/>
-              <a:t>scent</a:t>
-            </a:r>
-            <a:endParaRPr lang="en-US" dirty="0"/>
-          </a:p>
-        </p:txBody>
-      </p:sp>
-      <p:sp>
-        <p:nvSpPr>
-          <p:cNvPr id="3" name="Content Placeholder 2"/>
-          <p:cNvSpPr>
-            <a:spLocks noGrp="1"/>
-          </p:cNvSpPr>
-          <p:nvPr>
-            <p:ph idx="1"/>
-          </p:nvPr>
-        </p:nvSpPr>
-        <p:spPr>
-          <a:xfrm>
-            <a:off x="254002" y="1231237"/>
-            <a:ext cx="8677622" cy="3694724"/>
-          </a:xfrm>
-        </p:spPr>
-        <p:txBody>
-          <a:bodyPr>
-            <a:normAutofit/>
-          </a:bodyPr>
-          <a:lstStyle/>
-          <a:p>
-            <a:r>
-              <a:rPr lang="en-US" dirty="0" smtClean="0"/>
-              <a:t>Batch mode</a:t>
-            </a:r>
-          </a:p>
-          <a:p>
-            <a:pPr lvl="1"/>
-            <a:r>
-              <a:rPr lang="en-US" dirty="0" smtClean="0"/>
-              <a:t>Consider each data point for each update of </a:t>
-            </a:r>
-            <a:r>
-              <a:rPr lang="en-US" i="1" dirty="0" smtClean="0"/>
-              <a:t>w</a:t>
-            </a:r>
-          </a:p>
-          <a:p>
-            <a:pPr lvl="1"/>
-            <a:r>
-              <a:rPr lang="en-US" dirty="0" smtClean="0"/>
-              <a:t>This is slow</a:t>
-            </a:r>
-          </a:p>
-          <a:p>
-            <a:r>
-              <a:rPr lang="en-US" dirty="0" smtClean="0"/>
-              <a:t>Stochastic mode</a:t>
-            </a:r>
-          </a:p>
-          <a:p>
-            <a:pPr lvl="1"/>
-            <a:r>
-              <a:rPr lang="en-US" dirty="0" smtClean="0"/>
-              <a:t>Update </a:t>
-            </a:r>
-            <a:r>
-              <a:rPr lang="en-US" i="1" dirty="0" smtClean="0"/>
-              <a:t>w</a:t>
-            </a:r>
-            <a:r>
-              <a:rPr lang="en-US" dirty="0" smtClean="0"/>
-              <a:t> after each data point</a:t>
-            </a:r>
-          </a:p>
-          <a:p>
-            <a:pPr lvl="1"/>
-            <a:r>
-              <a:rPr lang="en-US" dirty="0" smtClean="0"/>
-              <a:t>Logistic regression stochastic update (p is between 0 and 1)</a:t>
-            </a:r>
-          </a:p>
-          <a:p>
-            <a:pPr lvl="1"/>
-            <a:endParaRPr lang="en-US" dirty="0" smtClean="0"/>
-          </a:p>
-          <a:p>
-            <a:pPr lvl="1"/>
-            <a:r>
-              <a:rPr lang="en-US" dirty="0" smtClean="0"/>
-              <a:t>Perceptron stochastic update (y is 0 or 1; approximation for LR)</a:t>
-            </a:r>
-          </a:p>
-          <a:p>
-            <a:pPr lvl="1"/>
-            <a:endParaRPr lang="en-US" dirty="0" smtClean="0"/>
-          </a:p>
-        </p:txBody>
-      </p:sp>
-      <mc:AlternateContent xmlns:mc="http://schemas.openxmlformats.org/markup-compatibility/2006" xmlns:a14="http://schemas.microsoft.com/office/drawing/2010/main">
-        <mc:Choice Requires="a14">
-          <p:sp>
-            <p:nvSpPr>
-              <p:cNvPr id="4" name="TextBox 3"/>
-              <p:cNvSpPr txBox="1"/>
-              <p:nvPr/>
-            </p:nvSpPr>
-            <p:spPr>
-              <a:xfrm>
-                <a:off x="3240712" y="3536664"/>
-                <a:ext cx="2161260" cy="404964"/>
-              </a:xfrm>
-              <a:prstGeom prst="rect">
-                <a:avLst/>
-              </a:prstGeom>
-              <a:noFill/>
-            </p:spPr>
-            <p:txBody>
-              <a:bodyPr wrap="none" lIns="91438" tIns="45719" rIns="91438" bIns="45719" rtlCol="0">
-                <a:spAutoFit/>
-              </a:bodyPr>
-              <a:lstStyle/>
-              <a:p>
-                <a:pPr/>
-                <a14:m>
-                  <m:oMathPara xmlns:m="http://schemas.openxmlformats.org/officeDocument/2006/math">
-                    <m:oMathParaPr>
-                      <m:jc m:val="centerGroup"/>
-                    </m:oMathParaPr>
-                    <m:oMath xmlns:m="http://schemas.openxmlformats.org/officeDocument/2006/math">
-                      <m:sSub>
-                        <m:sSubPr>
-                          <m:ctrlPr>
-                            <a:rPr lang="en-US" i="1">
-                              <a:latin typeface="Cambria Math" panose="02040503050406030204" pitchFamily="18" charset="0"/>
-                            </a:rPr>
-                          </m:ctrlPr>
-                        </m:sSubPr>
-                        <m:e>
-                          <m:r>
-                            <a:rPr lang="en-US" i="1">
-                              <a:latin typeface="Cambria Math"/>
-                            </a:rPr>
-                            <m:t>𝑤</m:t>
-                          </m:r>
-                        </m:e>
-                        <m:sub>
-                          <m:r>
-                            <a:rPr lang="en-US" i="1">
-                              <a:latin typeface="Cambria Math"/>
-                            </a:rPr>
-                            <m:t>𝑖</m:t>
-                          </m:r>
-                        </m:sub>
-                      </m:sSub>
-                      <m:r>
-                        <a:rPr lang="en-US" i="1">
-                          <a:latin typeface="Cambria Math"/>
-                        </a:rPr>
-                        <m:t>+</m:t>
-                      </m:r>
-                      <m:r>
-                        <a:rPr lang="en-US" i="1">
-                          <a:latin typeface="Cambria Math"/>
-                          <a:ea typeface="Cambria Math"/>
-                        </a:rPr>
-                        <m:t>𝛼</m:t>
-                      </m:r>
-                      <m:d>
-                        <m:dPr>
-                          <m:ctrlPr>
-                            <a:rPr lang="en-US" i="1">
-                              <a:latin typeface="Cambria Math" panose="02040503050406030204" pitchFamily="18" charset="0"/>
-                            </a:rPr>
-                          </m:ctrlPr>
-                        </m:dPr>
-                        <m:e>
-                          <m:r>
-                            <a:rPr lang="en-US" i="1">
-                              <a:latin typeface="Cambria Math"/>
-                            </a:rPr>
-                            <m:t>𝑦</m:t>
-                          </m:r>
-                          <m:r>
-                            <a:rPr lang="en-US" i="1">
-                              <a:latin typeface="Cambria Math"/>
-                            </a:rPr>
-                            <m:t>−</m:t>
-                          </m:r>
-                          <m:acc>
-                            <m:accPr>
-                              <m:chr m:val="̂"/>
-                              <m:ctrlPr>
-                                <a:rPr lang="en-US" i="1">
-                                  <a:latin typeface="Cambria Math" panose="02040503050406030204" pitchFamily="18" charset="0"/>
-                                </a:rPr>
-                              </m:ctrlPr>
-                            </m:accPr>
-                            <m:e>
-                              <m:r>
-                                <a:rPr lang="en-US" i="1">
-                                  <a:latin typeface="Cambria Math"/>
-                                </a:rPr>
-                                <m:t>𝑝</m:t>
-                              </m:r>
-                            </m:e>
-                          </m:acc>
-                          <m:d>
-                            <m:dPr>
-                              <m:ctrlPr>
-                                <a:rPr lang="en-US" i="1">
-                                  <a:latin typeface="Cambria Math" panose="02040503050406030204" pitchFamily="18" charset="0"/>
-                                </a:rPr>
-                              </m:ctrlPr>
-                            </m:dPr>
-                            <m:e>
-                              <m:r>
-                                <a:rPr lang="en-US" i="1">
-                                  <a:latin typeface="Cambria Math"/>
-                                </a:rPr>
-                                <m:t>𝑥</m:t>
-                              </m:r>
-                            </m:e>
-                          </m:d>
-                        </m:e>
-                      </m:d>
-                      <m:sSub>
-                        <m:sSubPr>
-                          <m:ctrlPr>
-                            <a:rPr lang="en-US" i="1">
-                              <a:latin typeface="Cambria Math" panose="02040503050406030204" pitchFamily="18" charset="0"/>
-                            </a:rPr>
-                          </m:ctrlPr>
-                        </m:sSubPr>
-                        <m:e>
-                          <m:r>
-                            <a:rPr lang="en-US" i="1">
-                              <a:latin typeface="Cambria Math"/>
-                            </a:rPr>
-                            <m:t>𝑥</m:t>
-                          </m:r>
-                        </m:e>
-                        <m:sub>
-                          <m:r>
-                            <a:rPr lang="en-US" i="1">
-                              <a:latin typeface="Cambria Math"/>
-                            </a:rPr>
-                            <m:t>𝑖</m:t>
-                          </m:r>
-                        </m:sub>
-                      </m:sSub>
-                    </m:oMath>
-                  </m:oMathPara>
-                </a14:m>
-                <a:endParaRPr lang="en-US" dirty="0"/>
-              </a:p>
-            </p:txBody>
-          </p:sp>
-        </mc:Choice>
-        <mc:Fallback xmlns="">
-          <p:sp>
-            <p:nvSpPr>
-              <p:cNvPr id="4" name="TextBox 3"/>
-              <p:cNvSpPr txBox="1">
-                <a:spLocks noRot="1" noChangeAspect="1" noMove="1" noResize="1" noEditPoints="1" noAdjustHandles="1" noChangeArrowheads="1" noChangeShapeType="1" noTextEdit="1"/>
-              </p:cNvSpPr>
-              <p:nvPr/>
-            </p:nvSpPr>
-            <p:spPr>
-              <a:xfrm>
-                <a:off x="4320949" y="4715552"/>
-                <a:ext cx="2881680" cy="539952"/>
-              </a:xfrm>
-              <a:prstGeom prst="rect">
-                <a:avLst/>
-              </a:prstGeom>
-              <a:blipFill rotWithShape="1">
-                <a:blip r:embed="rId2"/>
-                <a:stretch>
-                  <a:fillRect/>
-                </a:stretch>
-              </a:blipFill>
-            </p:spPr>
-            <p:txBody>
-              <a:bodyPr/>
-              <a:lstStyle/>
-              <a:p>
-                <a:r>
-                  <a:rPr lang="en-US">
-                    <a:noFill/>
-                  </a:rPr>
-                  <a:t> </a:t>
-                </a:r>
-              </a:p>
-            </p:txBody>
-          </p:sp>
-        </mc:Fallback>
-      </mc:AlternateContent>
-      <mc:AlternateContent xmlns:mc="http://schemas.openxmlformats.org/markup-compatibility/2006" xmlns:a14="http://schemas.microsoft.com/office/drawing/2010/main">
-        <mc:Choice Requires="a14">
-          <p:sp>
-            <p:nvSpPr>
-              <p:cNvPr id="6" name="TextBox 5"/>
-              <p:cNvSpPr txBox="1"/>
-              <p:nvPr/>
-            </p:nvSpPr>
-            <p:spPr>
-              <a:xfrm>
-                <a:off x="3311505" y="4309040"/>
-                <a:ext cx="1825399" cy="369329"/>
-              </a:xfrm>
-              <a:prstGeom prst="rect">
-                <a:avLst/>
-              </a:prstGeom>
-              <a:noFill/>
-            </p:spPr>
-            <p:txBody>
-              <a:bodyPr wrap="none" lIns="91438" tIns="45719" rIns="91438" bIns="45719" rtlCol="0">
-                <a:spAutoFit/>
-              </a:bodyPr>
-              <a:lstStyle/>
-              <a:p>
-                <a:pPr/>
-                <a14:m>
-                  <m:oMathPara xmlns:m="http://schemas.openxmlformats.org/officeDocument/2006/math">
-                    <m:oMathParaPr>
-                      <m:jc m:val="centerGroup"/>
-                    </m:oMathParaPr>
-                    <m:oMath xmlns:m="http://schemas.openxmlformats.org/officeDocument/2006/math">
-                      <m:sSub>
-                        <m:sSubPr>
-                          <m:ctrlPr>
-                            <a:rPr lang="en-US" i="1">
-                              <a:latin typeface="Cambria Math" panose="02040503050406030204" pitchFamily="18" charset="0"/>
-                            </a:rPr>
-                          </m:ctrlPr>
-                        </m:sSubPr>
-                        <m:e>
-                          <m:r>
-                            <a:rPr lang="en-US" i="1">
-                              <a:latin typeface="Cambria Math"/>
-                            </a:rPr>
-                            <m:t>𝑤</m:t>
-                          </m:r>
-                        </m:e>
-                        <m:sub>
-                          <m:r>
-                            <a:rPr lang="en-US" i="1">
-                              <a:latin typeface="Cambria Math"/>
-                            </a:rPr>
-                            <m:t>𝑖</m:t>
-                          </m:r>
-                        </m:sub>
-                      </m:sSub>
-                      <m:r>
-                        <a:rPr lang="en-US" i="1">
-                          <a:latin typeface="Cambria Math"/>
-                        </a:rPr>
-                        <m:t>+</m:t>
-                      </m:r>
-                      <m:r>
-                        <a:rPr lang="en-US" i="1">
-                          <a:latin typeface="Cambria Math"/>
-                          <a:ea typeface="Cambria Math"/>
-                        </a:rPr>
-                        <m:t>𝛼</m:t>
-                      </m:r>
-                      <m:d>
-                        <m:dPr>
-                          <m:ctrlPr>
-                            <a:rPr lang="en-US" i="1">
-                              <a:latin typeface="Cambria Math" panose="02040503050406030204" pitchFamily="18" charset="0"/>
-                            </a:rPr>
-                          </m:ctrlPr>
-                        </m:dPr>
-                        <m:e>
-                          <m:r>
-                            <a:rPr lang="en-US" i="1">
-                              <a:latin typeface="Cambria Math"/>
-                            </a:rPr>
-                            <m:t>𝑦</m:t>
-                          </m:r>
-                          <m:r>
-                            <a:rPr lang="en-US" i="1">
-                              <a:latin typeface="Cambria Math"/>
-                            </a:rPr>
-                            <m:t>−</m:t>
-                          </m:r>
-                          <m:acc>
-                            <m:accPr>
-                              <m:chr m:val="̂"/>
-                              <m:ctrlPr>
-                                <a:rPr lang="en-US" i="1">
-                                  <a:latin typeface="Cambria Math" panose="02040503050406030204" pitchFamily="18" charset="0"/>
-                                </a:rPr>
-                              </m:ctrlPr>
-                            </m:accPr>
-                            <m:e>
-                              <m:r>
-                                <a:rPr lang="en-US" i="1">
-                                  <a:latin typeface="Cambria Math"/>
-                                </a:rPr>
-                                <m:t>𝑦</m:t>
-                              </m:r>
-                            </m:e>
-                          </m:acc>
-                        </m:e>
-                      </m:d>
-                      <m:sSub>
-                        <m:sSubPr>
-                          <m:ctrlPr>
-                            <a:rPr lang="en-US" i="1">
-                              <a:latin typeface="Cambria Math" panose="02040503050406030204" pitchFamily="18" charset="0"/>
-                            </a:rPr>
-                          </m:ctrlPr>
-                        </m:sSubPr>
-                        <m:e>
-                          <m:r>
-                            <a:rPr lang="en-US" i="1">
-                              <a:latin typeface="Cambria Math"/>
-                            </a:rPr>
-                            <m:t>𝑥</m:t>
-                          </m:r>
-                        </m:e>
-                        <m:sub>
-                          <m:r>
-                            <a:rPr lang="en-US" i="1">
-                              <a:latin typeface="Cambria Math"/>
-                            </a:rPr>
-                            <m:t>𝑖</m:t>
-                          </m:r>
-                        </m:sub>
-                      </m:sSub>
-                    </m:oMath>
-                  </m:oMathPara>
-                </a14:m>
-                <a:endParaRPr lang="en-US" dirty="0"/>
-              </a:p>
-            </p:txBody>
-          </p:sp>
-        </mc:Choice>
-        <mc:Fallback xmlns="">
-          <p:sp>
-            <p:nvSpPr>
-              <p:cNvPr id="6" name="TextBox 5"/>
-              <p:cNvSpPr txBox="1">
-                <a:spLocks noRot="1" noChangeAspect="1" noMove="1" noResize="1" noEditPoints="1" noAdjustHandles="1" noChangeArrowheads="1" noChangeShapeType="1" noTextEdit="1"/>
-              </p:cNvSpPr>
-              <p:nvPr/>
-            </p:nvSpPr>
-            <p:spPr>
-              <a:xfrm>
-                <a:off x="4415340" y="5745387"/>
-                <a:ext cx="2433865" cy="492438"/>
-              </a:xfrm>
-              <a:prstGeom prst="rect">
-                <a:avLst/>
-              </a:prstGeom>
-              <a:blipFill rotWithShape="1">
-                <a:blip r:embed="rId3"/>
-                <a:stretch>
-                  <a:fillRect b="-7407"/>
-                </a:stretch>
-              </a:blipFill>
-            </p:spPr>
-            <p:txBody>
-              <a:bodyPr/>
-              <a:lstStyle/>
-              <a:p>
-                <a:r>
-                  <a:rPr lang="en-US">
-                    <a:noFill/>
-                  </a:rPr>
-                  <a:t> </a:t>
-                </a:r>
-              </a:p>
-            </p:txBody>
-          </p:sp>
-        </mc:Fallback>
-      </mc:AlternateContent>
-    </p:spTree>
-    <p:extLst>
-      <p:ext uri="{BB962C8B-B14F-4D97-AF65-F5344CB8AC3E}">
-        <p14:creationId xmlns:p14="http://schemas.microsoft.com/office/powerpoint/2010/main" val="638378333"/>
-      </p:ext>
-    </p:extLst>
-  </p:cSld>
-  <p:clrMapOvr>
-    <a:masterClrMapping/>
-  </p:clrMapOvr>
-  <p:timing>
-    <p:tnLst>
-      <p:par>
-        <p:cTn id="1" dur="indefinite" restart="never" nodeType="tmRoot"/>
-      </p:par>
-    </p:tnLst>
-  </p:timing>
-</p:sld>
-</file>
-
-<file path=ppt/slides/slide14.xml><?xml version="1.0" encoding="utf-8"?>
-<p:sld xmlns:a="http://schemas.openxmlformats.org/drawingml/2006/main" xmlns:r="http://schemas.openxmlformats.org/officeDocument/2006/relationships" xmlns:p="http://schemas.openxmlformats.org/presentationml/2006/main">
-  <p:cSld>
-    <p:spTree>
-      <p:nvGrpSpPr>
-        <p:cNvPr id="1" name=""/>
-        <p:cNvGrpSpPr/>
-        <p:nvPr/>
-      </p:nvGrpSpPr>
-      <p:grpSpPr>
-        <a:xfrm>
-          <a:off x="0" y="0"/>
-          <a:ext cx="0" cy="0"/>
-          <a:chOff x="0" y="0"/>
-          <a:chExt cx="0" cy="0"/>
-        </a:xfrm>
-      </p:grpSpPr>
-      <p:sp>
-        <p:nvSpPr>
-          <p:cNvPr id="2" name="Title 1"/>
-          <p:cNvSpPr>
-            <a:spLocks noGrp="1"/>
-          </p:cNvSpPr>
-          <p:nvPr>
-            <p:ph type="title"/>
-          </p:nvPr>
-        </p:nvSpPr>
-        <p:spPr/>
-        <p:txBody>
-          <a:bodyPr/>
-          <a:lstStyle/>
-          <a:p>
-            <a:r>
-              <a:rPr lang="en-US" dirty="0" smtClean="0"/>
-              <a:t>Notes</a:t>
-            </a:r>
-            <a:endParaRPr lang="en-US" dirty="0"/>
-          </a:p>
-        </p:txBody>
-      </p:sp>
-      <p:sp>
-        <p:nvSpPr>
-          <p:cNvPr id="3" name="Content Placeholder 2"/>
-          <p:cNvSpPr>
-            <a:spLocks noGrp="1"/>
-          </p:cNvSpPr>
-          <p:nvPr>
-            <p:ph idx="1"/>
-          </p:nvPr>
-        </p:nvSpPr>
-        <p:spPr/>
-        <p:txBody>
-          <a:bodyPr/>
-          <a:lstStyle/>
-          <a:p>
-            <a:r>
-              <a:rPr lang="en-US" dirty="0" smtClean="0"/>
-              <a:t>Datasets:</a:t>
-            </a:r>
-          </a:p>
-          <a:p>
-            <a:pPr lvl="1"/>
-            <a:r>
-              <a:rPr lang="en-US" dirty="0">
-                <a:hlinkClick r:id="rId2"/>
-              </a:rPr>
-              <a:t>http://blog.webkid.io/datasets-for-machine-learning</a:t>
-            </a:r>
-            <a:r>
-              <a:rPr lang="en-US" dirty="0" smtClean="0">
-                <a:hlinkClick r:id="rId2"/>
-              </a:rPr>
-              <a:t>/</a:t>
-            </a:r>
-            <a:r>
-              <a:rPr lang="en-US" dirty="0" smtClean="0"/>
-              <a:t> </a:t>
-            </a:r>
-            <a:endParaRPr lang="en-US" dirty="0"/>
-          </a:p>
-        </p:txBody>
-      </p:sp>
-    </p:spTree>
-    <p:extLst>
-      <p:ext uri="{BB962C8B-B14F-4D97-AF65-F5344CB8AC3E}">
-        <p14:creationId xmlns:p14="http://schemas.microsoft.com/office/powerpoint/2010/main" val="2486906726"/>
-      </p:ext>
-    </p:extLst>
-  </p:cSld>
-  <p:clrMapOvr>
-    <a:masterClrMapping/>
-  </p:clrMapOvr>
-  <p:timing>
-    <p:tnLst>
-      <p:par>
-        <p:cTn id="1" dur="indefinite" restart="never" nodeType="tmRoot"/>
-      </p:par>
-    </p:tnLst>
-  </p:timing>
-</p:sld>
-</file>
-
-<file path=ppt/slides/slide15.xml><?xml version="1.0" encoding="utf-8"?>
-<p:sld xmlns:a="http://schemas.openxmlformats.org/drawingml/2006/main" xmlns:r="http://schemas.openxmlformats.org/officeDocument/2006/relationships" xmlns:p="http://schemas.openxmlformats.org/presentationml/2006/main">
-  <p:cSld>
-    <p:spTree>
-      <p:nvGrpSpPr>
-        <p:cNvPr id="1" name=""/>
-        <p:cNvGrpSpPr/>
-        <p:nvPr/>
-      </p:nvGrpSpPr>
-      <p:grpSpPr>
-        <a:xfrm>
-          <a:off x="0" y="0"/>
-          <a:ext cx="0" cy="0"/>
-          <a:chOff x="0" y="0"/>
-          <a:chExt cx="0" cy="0"/>
-        </a:xfrm>
-      </p:grpSpPr>
-      <p:sp>
-        <p:nvSpPr>
-          <p:cNvPr id="2" name="Title 1"/>
-          <p:cNvSpPr>
-            <a:spLocks noGrp="1"/>
-          </p:cNvSpPr>
-          <p:nvPr>
             <p:ph type="ctrTitle"/>
           </p:nvPr>
         </p:nvSpPr>
@@ -6666,7 +5012,6 @@
               <a:rPr lang="en-US" dirty="0" smtClean="0"/>
               <a:t>classifier</a:t>
             </a:r>
-            <a:endParaRPr lang="en-US" dirty="0" smtClean="0"/>
           </a:p>
           <a:p>
             <a:r>
@@ -6679,11 +5024,7 @@
             </a:r>
             <a:r>
               <a:rPr lang="en-US" dirty="0" smtClean="0"/>
-              <a:t>a </a:t>
-            </a:r>
-            <a:r>
-              <a:rPr lang="en-US" dirty="0" smtClean="0"/>
-              <a:t>neuron</a:t>
+              <a:t>a neuron</a:t>
             </a:r>
           </a:p>
           <a:p>
@@ -6710,11 +5051,7 @@
             <a:pPr lvl="1"/>
             <a:r>
               <a:rPr lang="en-US" dirty="0" smtClean="0"/>
-              <a:t>invented in </a:t>
-            </a:r>
-            <a:r>
-              <a:rPr lang="en-US" dirty="0" smtClean="0"/>
-              <a:t>1957</a:t>
+              <a:t>invented in 1957</a:t>
             </a:r>
             <a:r>
               <a:rPr lang="bg-BG" dirty="0" smtClean="0"/>
@@ -11554,7 +9891,7 @@
           <a:graphicData uri="http://schemas.openxmlformats.org/presentationml/2006/ole">
             <mc:AlternateContent xmlns:mc="http://schemas.openxmlformats.org/markup-compatibility/2006">
               <mc:Choice xmlns:v="urn:schemas-microsoft-com:vml" Requires="v">
-                <p:oleObj spid="_x0000_s13332" name="Equation" r:id="rId3" imgW="2755800" imgH="457200" progId="Equation.3">
+                <p:oleObj spid="_x0000_s13359" name="Equation" r:id="rId3" imgW="2755800" imgH="457200" progId="Equation.3">
                   <p:embed/>
                 </p:oleObj>
               </mc:Choice>
@@ -11624,7 +9961,7 @@
           <a:graphicData uri="http://schemas.openxmlformats.org/presentationml/2006/ole">
             <mc:AlternateContent xmlns:mc="http://schemas.openxmlformats.org/markup-compatibility/2006">
               <mc:Choice xmlns:v="urn:schemas-microsoft-com:vml" Requires="v">
-                <p:oleObj spid="_x0000_s13333" name="Equation" r:id="rId5" imgW="1460160" imgH="1587240" progId="Equation.3">
+                <p:oleObj spid="_x0000_s13360" name="Equation" r:id="rId5" imgW="1460160" imgH="1587240" progId="Equation.3">
                   <p:embed/>
                 </p:oleObj>
               </mc:Choice>
@@ -11694,7 +10031,7 @@
           <a:graphicData uri="http://schemas.openxmlformats.org/presentationml/2006/ole">
             <mc:AlternateContent xmlns:mc="http://schemas.openxmlformats.org/markup-compatibility/2006">
               <mc:Choice xmlns:v="urn:schemas-microsoft-com:vml" Requires="v">
-                <p:oleObj spid="_x0000_s13334" name="Equation" r:id="rId7" imgW="203112" imgH="228501" progId="Equation.3">
+                <p:oleObj spid="_x0000_s13361" name="Equation" r:id="rId7" imgW="203112" imgH="228501" progId="Equation.3">
                   <p:embed/>
                 </p:oleObj>
               </mc:Choice>
